--- a/assets/img/front112022.pptx
+++ b/assets/img/front112022.pptx
@@ -6,6 +6,7 @@
   </p:sldMasterIdLst>
   <p:sldIdLst>
     <p:sldId id="256" r:id="rId2"/>
+    <p:sldId id="257" r:id="rId3"/>
   </p:sldIdLst>
   <p:sldSz cx="12192000" cy="6858000"/>
   <p:notesSz cx="6858000" cy="9144000"/>
@@ -104,6 +105,11 @@
       </a:defRPr>
     </a:lvl9pPr>
   </p:defaultTextStyle>
+  <p:extLst>
+    <p:ext uri="{EFAFB233-063F-42B5-8137-9DF3F51BA10A}">
+      <p15:sldGuideLst xmlns:p15="http://schemas.microsoft.com/office/powerpoint/2012/main"/>
+    </p:ext>
+  </p:extLst>
 </p:presentation>
 </file>
 
@@ -256,7 +262,7 @@
           <a:p>
             <a:fld id="{5820EA11-ED5C-6340-9798-38481AC6901A}" type="datetimeFigureOut">
               <a:rPr lang="en-US" smtClean="0"/>
-              <a:t>11/13/22</a:t>
+              <a:t>2/2/24</a:t>
             </a:fld>
             <a:endParaRPr lang="en-US"/>
           </a:p>
@@ -456,7 +462,7 @@
           <a:p>
             <a:fld id="{5820EA11-ED5C-6340-9798-38481AC6901A}" type="datetimeFigureOut">
               <a:rPr lang="en-US" smtClean="0"/>
-              <a:t>11/13/22</a:t>
+              <a:t>2/2/24</a:t>
             </a:fld>
             <a:endParaRPr lang="en-US"/>
           </a:p>
@@ -666,7 +672,7 @@
           <a:p>
             <a:fld id="{5820EA11-ED5C-6340-9798-38481AC6901A}" type="datetimeFigureOut">
               <a:rPr lang="en-US" smtClean="0"/>
-              <a:t>11/13/22</a:t>
+              <a:t>2/2/24</a:t>
             </a:fld>
             <a:endParaRPr lang="en-US"/>
           </a:p>
@@ -866,7 +872,7 @@
           <a:p>
             <a:fld id="{5820EA11-ED5C-6340-9798-38481AC6901A}" type="datetimeFigureOut">
               <a:rPr lang="en-US" smtClean="0"/>
-              <a:t>11/13/22</a:t>
+              <a:t>2/2/24</a:t>
             </a:fld>
             <a:endParaRPr lang="en-US"/>
           </a:p>
@@ -1142,7 +1148,7 @@
           <a:p>
             <a:fld id="{5820EA11-ED5C-6340-9798-38481AC6901A}" type="datetimeFigureOut">
               <a:rPr lang="en-US" smtClean="0"/>
-              <a:t>11/13/22</a:t>
+              <a:t>2/2/24</a:t>
             </a:fld>
             <a:endParaRPr lang="en-US"/>
           </a:p>
@@ -1410,7 +1416,7 @@
           <a:p>
             <a:fld id="{5820EA11-ED5C-6340-9798-38481AC6901A}" type="datetimeFigureOut">
               <a:rPr lang="en-US" smtClean="0"/>
-              <a:t>11/13/22</a:t>
+              <a:t>2/2/24</a:t>
             </a:fld>
             <a:endParaRPr lang="en-US"/>
           </a:p>
@@ -1825,7 +1831,7 @@
           <a:p>
             <a:fld id="{5820EA11-ED5C-6340-9798-38481AC6901A}" type="datetimeFigureOut">
               <a:rPr lang="en-US" smtClean="0"/>
-              <a:t>11/13/22</a:t>
+              <a:t>2/2/24</a:t>
             </a:fld>
             <a:endParaRPr lang="en-US"/>
           </a:p>
@@ -1967,7 +1973,7 @@
           <a:p>
             <a:fld id="{5820EA11-ED5C-6340-9798-38481AC6901A}" type="datetimeFigureOut">
               <a:rPr lang="en-US" smtClean="0"/>
-              <a:t>11/13/22</a:t>
+              <a:t>2/2/24</a:t>
             </a:fld>
             <a:endParaRPr lang="en-US"/>
           </a:p>
@@ -2080,7 +2086,7 @@
           <a:p>
             <a:fld id="{5820EA11-ED5C-6340-9798-38481AC6901A}" type="datetimeFigureOut">
               <a:rPr lang="en-US" smtClean="0"/>
-              <a:t>11/13/22</a:t>
+              <a:t>2/2/24</a:t>
             </a:fld>
             <a:endParaRPr lang="en-US"/>
           </a:p>
@@ -2393,7 +2399,7 @@
           <a:p>
             <a:fld id="{5820EA11-ED5C-6340-9798-38481AC6901A}" type="datetimeFigureOut">
               <a:rPr lang="en-US" smtClean="0"/>
-              <a:t>11/13/22</a:t>
+              <a:t>2/2/24</a:t>
             </a:fld>
             <a:endParaRPr lang="en-US"/>
           </a:p>
@@ -2682,7 +2688,7 @@
           <a:p>
             <a:fld id="{5820EA11-ED5C-6340-9798-38481AC6901A}" type="datetimeFigureOut">
               <a:rPr lang="en-US" smtClean="0"/>
-              <a:t>11/13/22</a:t>
+              <a:t>2/2/24</a:t>
             </a:fld>
             <a:endParaRPr lang="en-US"/>
           </a:p>
@@ -2925,7 +2931,7 @@
           <a:p>
             <a:fld id="{5820EA11-ED5C-6340-9798-38481AC6901A}" type="datetimeFigureOut">
               <a:rPr lang="en-US" smtClean="0"/>
-              <a:t>11/13/22</a:t>
+              <a:t>2/2/24</a:t>
             </a:fld>
             <a:endParaRPr lang="en-US"/>
           </a:p>
@@ -3624,6 +3630,281 @@
 </p:sld>
 </file>
 
+<file path=ppt/slides/slide2.xml><?xml version="1.0" encoding="utf-8"?>
+<p:sld xmlns:a="http://schemas.openxmlformats.org/drawingml/2006/main" xmlns:r="http://schemas.openxmlformats.org/officeDocument/2006/relationships" xmlns:p="http://schemas.openxmlformats.org/presentationml/2006/main">
+  <p:cSld>
+    <p:spTree>
+      <p:nvGrpSpPr>
+        <p:cNvPr id="1" name="">
+          <a:extLst>
+            <a:ext uri="{FF2B5EF4-FFF2-40B4-BE49-F238E27FC236}">
+              <a16:creationId xmlns:a16="http://schemas.microsoft.com/office/drawing/2014/main" id="{0E60CED3-B128-6E97-ECA5-92843F34ACA5}"/>
+            </a:ext>
+          </a:extLst>
+        </p:cNvPr>
+        <p:cNvGrpSpPr/>
+        <p:nvPr/>
+      </p:nvGrpSpPr>
+      <p:grpSpPr>
+        <a:xfrm>
+          <a:off x="0" y="0"/>
+          <a:ext cx="0" cy="0"/>
+          <a:chOff x="0" y="0"/>
+          <a:chExt cx="0" cy="0"/>
+        </a:xfrm>
+      </p:grpSpPr>
+      <p:sp>
+        <p:nvSpPr>
+          <p:cNvPr id="10" name="Rectangle 9">
+            <a:extLst>
+              <a:ext uri="{FF2B5EF4-FFF2-40B4-BE49-F238E27FC236}">
+                <a16:creationId xmlns:a16="http://schemas.microsoft.com/office/drawing/2014/main" id="{B7131815-8866-B15E-1187-71CF3E8D2214}"/>
+              </a:ext>
+            </a:extLst>
+          </p:cNvPr>
+          <p:cNvSpPr/>
+          <p:nvPr/>
+        </p:nvSpPr>
+        <p:spPr>
+          <a:xfrm>
+            <a:off x="0" y="1"/>
+            <a:ext cx="12191999" cy="6858000"/>
+          </a:xfrm>
+          <a:prstGeom prst="rect">
+            <a:avLst/>
+          </a:prstGeom>
+        </p:spPr>
+        <p:style>
+          <a:lnRef idx="3">
+            <a:schemeClr val="lt1"/>
+          </a:lnRef>
+          <a:fillRef idx="1">
+            <a:schemeClr val="dk1"/>
+          </a:fillRef>
+          <a:effectRef idx="1">
+            <a:schemeClr val="dk1"/>
+          </a:effectRef>
+          <a:fontRef idx="minor">
+            <a:schemeClr val="lt1"/>
+          </a:fontRef>
+        </p:style>
+        <p:txBody>
+          <a:bodyPr rtlCol="0" anchor="ctr"/>
+          <a:lstStyle/>
+          <a:p>
+            <a:pPr algn="ctr"/>
+            <a:endParaRPr lang="en-US" dirty="0"/>
+          </a:p>
+        </p:txBody>
+      </p:sp>
+      <p:pic>
+        <p:nvPicPr>
+          <p:cNvPr id="9" name="Picture 8" descr="A picture containing automaton&#10;&#10;Description automatically generated">
+            <a:extLst>
+              <a:ext uri="{FF2B5EF4-FFF2-40B4-BE49-F238E27FC236}">
+                <a16:creationId xmlns:a16="http://schemas.microsoft.com/office/drawing/2014/main" id="{8C77C64D-AA20-E8E9-D56D-315C6E6EB740}"/>
+              </a:ext>
+            </a:extLst>
+          </p:cNvPr>
+          <p:cNvPicPr>
+            <a:picLocks noChangeAspect="1"/>
+          </p:cNvPicPr>
+          <p:nvPr/>
+        </p:nvPicPr>
+        <p:blipFill rotWithShape="1">
+          <a:blip r:embed="rId2"/>
+          <a:srcRect l="9412" r="8246"/>
+          <a:stretch/>
+        </p:blipFill>
+        <p:spPr>
+          <a:xfrm>
+            <a:off x="7967298" y="2775692"/>
+            <a:ext cx="4221957" cy="2884134"/>
+          </a:xfrm>
+          <a:prstGeom prst="rect">
+            <a:avLst/>
+          </a:prstGeom>
+        </p:spPr>
+      </p:pic>
+      <p:sp>
+        <p:nvSpPr>
+          <p:cNvPr id="11" name="TextBox 10">
+            <a:extLst>
+              <a:ext uri="{FF2B5EF4-FFF2-40B4-BE49-F238E27FC236}">
+                <a16:creationId xmlns:a16="http://schemas.microsoft.com/office/drawing/2014/main" id="{F6D1F405-FD65-F69B-03C7-CB27FE12849D}"/>
+              </a:ext>
+            </a:extLst>
+          </p:cNvPr>
+          <p:cNvSpPr txBox="1"/>
+          <p:nvPr/>
+        </p:nvSpPr>
+        <p:spPr>
+          <a:xfrm>
+            <a:off x="2745" y="5580727"/>
+            <a:ext cx="6182526" cy="1277273"/>
+          </a:xfrm>
+          <a:prstGeom prst="rect">
+            <a:avLst/>
+          </a:prstGeom>
+          <a:noFill/>
+        </p:spPr>
+        <p:txBody>
+          <a:bodyPr wrap="none" rtlCol="0">
+            <a:spAutoFit/>
+          </a:bodyPr>
+          <a:lstStyle/>
+          <a:p>
+            <a:r>
+              <a:rPr lang="en-US" sz="4100" dirty="0">
+                <a:solidFill>
+                  <a:schemeClr val="accent6">
+                    <a:lumMod val="75000"/>
+                  </a:schemeClr>
+                </a:solidFill>
+              </a:rPr>
+              <a:t>I</a:t>
+            </a:r>
+            <a:r>
+              <a:rPr lang="en-US" sz="4100" dirty="0">
+                <a:solidFill>
+                  <a:schemeClr val="bg1"/>
+                </a:solidFill>
+              </a:rPr>
+              <a:t>ntelligent </a:t>
+            </a:r>
+            <a:r>
+              <a:rPr lang="en-US" sz="4100" dirty="0">
+                <a:solidFill>
+                  <a:schemeClr val="accent6">
+                    <a:lumMod val="60000"/>
+                    <a:lumOff val="40000"/>
+                  </a:schemeClr>
+                </a:solidFill>
+              </a:rPr>
+              <a:t>M</a:t>
+            </a:r>
+            <a:r>
+              <a:rPr lang="en-US" sz="4100" dirty="0">
+                <a:solidFill>
+                  <a:schemeClr val="bg1"/>
+                </a:solidFill>
+              </a:rPr>
+              <a:t>anipulation </a:t>
+            </a:r>
+            <a:r>
+              <a:rPr lang="en-US" sz="4100" dirty="0">
+                <a:solidFill>
+                  <a:schemeClr val="accent6">
+                    <a:lumMod val="40000"/>
+                    <a:lumOff val="60000"/>
+                  </a:schemeClr>
+                </a:solidFill>
+              </a:rPr>
+              <a:t>L</a:t>
+            </a:r>
+            <a:r>
+              <a:rPr lang="en-US" sz="4100" dirty="0">
+                <a:solidFill>
+                  <a:schemeClr val="bg1"/>
+                </a:solidFill>
+              </a:rPr>
+              <a:t>ab</a:t>
+            </a:r>
+          </a:p>
+          <a:p>
+            <a:r>
+              <a:rPr lang="en-US" sz="3600" dirty="0">
+                <a:solidFill>
+                  <a:schemeClr val="bg1"/>
+                </a:solidFill>
+              </a:rPr>
+              <a:t>Exhibited at </a:t>
+            </a:r>
+            <a:r>
+              <a:rPr lang="en-US" sz="3600" dirty="0">
+                <a:solidFill>
+                  <a:schemeClr val="accent6">
+                    <a:lumMod val="75000"/>
+                  </a:schemeClr>
+                </a:solidFill>
+              </a:rPr>
+              <a:t>COP26</a:t>
+            </a:r>
+          </a:p>
+        </p:txBody>
+      </p:sp>
+      <p:pic>
+        <p:nvPicPr>
+          <p:cNvPr id="13" name="Picture 12" descr="A picture containing logo&#10;&#10;Description automatically generated">
+            <a:extLst>
+              <a:ext uri="{FF2B5EF4-FFF2-40B4-BE49-F238E27FC236}">
+                <a16:creationId xmlns:a16="http://schemas.microsoft.com/office/drawing/2014/main" id="{0E78111E-4B8A-C840-2D78-2FB4B05058C2}"/>
+              </a:ext>
+            </a:extLst>
+          </p:cNvPr>
+          <p:cNvPicPr>
+            <a:picLocks noChangeAspect="1"/>
+          </p:cNvPicPr>
+          <p:nvPr/>
+        </p:nvPicPr>
+        <p:blipFill rotWithShape="1">
+          <a:blip r:embed="rId3"/>
+          <a:srcRect l="10191"/>
+          <a:stretch/>
+        </p:blipFill>
+        <p:spPr>
+          <a:xfrm>
+            <a:off x="0" y="2775692"/>
+            <a:ext cx="4604836" cy="2884134"/>
+          </a:xfrm>
+          <a:prstGeom prst="rect">
+            <a:avLst/>
+          </a:prstGeom>
+        </p:spPr>
+      </p:pic>
+      <p:pic>
+        <p:nvPicPr>
+          <p:cNvPr id="7" name="Picture 6" descr="A bunch of strawberries on a tree&#10;&#10;Description automatically generated with low confidence">
+            <a:extLst>
+              <a:ext uri="{FF2B5EF4-FFF2-40B4-BE49-F238E27FC236}">
+                <a16:creationId xmlns:a16="http://schemas.microsoft.com/office/drawing/2014/main" id="{AD36EDFA-E0D1-AFEE-C946-F188A4AB7C06}"/>
+              </a:ext>
+            </a:extLst>
+          </p:cNvPr>
+          <p:cNvPicPr>
+            <a:picLocks noChangeAspect="1"/>
+          </p:cNvPicPr>
+          <p:nvPr/>
+        </p:nvPicPr>
+        <p:blipFill>
+          <a:blip r:embed="rId4"/>
+          <a:stretch>
+            <a:fillRect/>
+          </a:stretch>
+        </p:blipFill>
+        <p:spPr>
+          <a:xfrm>
+            <a:off x="3638353" y="2775692"/>
+            <a:ext cx="4326201" cy="2884134"/>
+          </a:xfrm>
+          <a:prstGeom prst="rect">
+            <a:avLst/>
+          </a:prstGeom>
+        </p:spPr>
+      </p:pic>
+    </p:spTree>
+    <p:extLst>
+      <p:ext uri="{BB962C8B-B14F-4D97-AF65-F5344CB8AC3E}">
+        <p14:creationId xmlns:p14="http://schemas.microsoft.com/office/powerpoint/2010/main" val="378398790"/>
+      </p:ext>
+    </p:extLst>
+  </p:cSld>
+  <p:clrMapOvr>
+    <a:masterClrMapping/>
+  </p:clrMapOvr>
+</p:sld>
+</file>
+
 <file path=ppt/theme/theme1.xml><?xml version="1.0" encoding="utf-8"?>
 <a:theme xmlns:a="http://schemas.openxmlformats.org/drawingml/2006/main" name="Office Theme">
   <a:themeElements>

--- a/assets/img/front112022.pptx
+++ b/assets/img/front112022.pptx
@@ -5,8 +5,8 @@
     <p:sldMasterId id="2147483648" r:id="rId1"/>
   </p:sldMasterIdLst>
   <p:sldIdLst>
-    <p:sldId id="256" r:id="rId2"/>
-    <p:sldId id="257" r:id="rId3"/>
+    <p:sldId id="257" r:id="rId2"/>
+    <p:sldId id="256" r:id="rId3"/>
   </p:sldIdLst>
   <p:sldSz cx="12192000" cy="6858000"/>
   <p:notesSz cx="6858000" cy="9144000"/>
@@ -3336,6 +3336,279 @@
   <p:cSld>
     <p:spTree>
       <p:nvGrpSpPr>
+        <p:cNvPr id="1" name="">
+          <a:extLst>
+            <a:ext uri="{FF2B5EF4-FFF2-40B4-BE49-F238E27FC236}">
+              <a16:creationId xmlns:a16="http://schemas.microsoft.com/office/drawing/2014/main" id="{0E60CED3-B128-6E97-ECA5-92843F34ACA5}"/>
+            </a:ext>
+          </a:extLst>
+        </p:cNvPr>
+        <p:cNvGrpSpPr/>
+        <p:nvPr/>
+      </p:nvGrpSpPr>
+      <p:grpSpPr>
+        <a:xfrm>
+          <a:off x="0" y="0"/>
+          <a:ext cx="0" cy="0"/>
+          <a:chOff x="0" y="0"/>
+          <a:chExt cx="0" cy="0"/>
+        </a:xfrm>
+      </p:grpSpPr>
+      <p:sp>
+        <p:nvSpPr>
+          <p:cNvPr id="10" name="Rectangle 9">
+            <a:extLst>
+              <a:ext uri="{FF2B5EF4-FFF2-40B4-BE49-F238E27FC236}">
+                <a16:creationId xmlns:a16="http://schemas.microsoft.com/office/drawing/2014/main" id="{B7131815-8866-B15E-1187-71CF3E8D2214}"/>
+              </a:ext>
+            </a:extLst>
+          </p:cNvPr>
+          <p:cNvSpPr/>
+          <p:nvPr/>
+        </p:nvSpPr>
+        <p:spPr>
+          <a:xfrm>
+            <a:off x="0" y="1"/>
+            <a:ext cx="12191999" cy="6858000"/>
+          </a:xfrm>
+          <a:prstGeom prst="rect">
+            <a:avLst/>
+          </a:prstGeom>
+        </p:spPr>
+        <p:style>
+          <a:lnRef idx="3">
+            <a:schemeClr val="lt1"/>
+          </a:lnRef>
+          <a:fillRef idx="1">
+            <a:schemeClr val="dk1"/>
+          </a:fillRef>
+          <a:effectRef idx="1">
+            <a:schemeClr val="dk1"/>
+          </a:effectRef>
+          <a:fontRef idx="minor">
+            <a:schemeClr val="lt1"/>
+          </a:fontRef>
+        </p:style>
+        <p:txBody>
+          <a:bodyPr rtlCol="0" anchor="ctr"/>
+          <a:lstStyle/>
+          <a:p>
+            <a:pPr algn="ctr"/>
+            <a:endParaRPr lang="en-US" dirty="0"/>
+          </a:p>
+        </p:txBody>
+      </p:sp>
+      <p:sp>
+        <p:nvSpPr>
+          <p:cNvPr id="11" name="TextBox 10">
+            <a:extLst>
+              <a:ext uri="{FF2B5EF4-FFF2-40B4-BE49-F238E27FC236}">
+                <a16:creationId xmlns:a16="http://schemas.microsoft.com/office/drawing/2014/main" id="{F6D1F405-FD65-F69B-03C7-CB27FE12849D}"/>
+              </a:ext>
+            </a:extLst>
+          </p:cNvPr>
+          <p:cNvSpPr txBox="1"/>
+          <p:nvPr/>
+        </p:nvSpPr>
+        <p:spPr>
+          <a:xfrm>
+            <a:off x="0" y="6134725"/>
+            <a:ext cx="10001867" cy="723275"/>
+          </a:xfrm>
+          <a:prstGeom prst="rect">
+            <a:avLst/>
+          </a:prstGeom>
+          <a:noFill/>
+        </p:spPr>
+        <p:txBody>
+          <a:bodyPr wrap="square" rtlCol="0">
+            <a:spAutoFit/>
+          </a:bodyPr>
+          <a:lstStyle/>
+          <a:p>
+            <a:r>
+              <a:rPr lang="en-US" sz="4100" dirty="0">
+                <a:solidFill>
+                  <a:schemeClr val="accent1">
+                    <a:lumMod val="75000"/>
+                  </a:schemeClr>
+                </a:solidFill>
+              </a:rPr>
+              <a:t>I</a:t>
+            </a:r>
+            <a:r>
+              <a:rPr lang="en-US" sz="4100" dirty="0">
+                <a:solidFill>
+                  <a:schemeClr val="bg1"/>
+                </a:solidFill>
+              </a:rPr>
+              <a:t>ntelligent </a:t>
+            </a:r>
+            <a:r>
+              <a:rPr lang="en-US" sz="4100" dirty="0">
+                <a:solidFill>
+                  <a:schemeClr val="accent1">
+                    <a:lumMod val="60000"/>
+                    <a:lumOff val="40000"/>
+                  </a:schemeClr>
+                </a:solidFill>
+              </a:rPr>
+              <a:t>M</a:t>
+            </a:r>
+            <a:r>
+              <a:rPr lang="en-US" sz="4100" dirty="0">
+                <a:solidFill>
+                  <a:schemeClr val="bg1"/>
+                </a:solidFill>
+              </a:rPr>
+              <a:t>anipulation </a:t>
+            </a:r>
+            <a:r>
+              <a:rPr lang="en-US" sz="4100" dirty="0">
+                <a:solidFill>
+                  <a:schemeClr val="accent1">
+                    <a:lumMod val="40000"/>
+                    <a:lumOff val="60000"/>
+                  </a:schemeClr>
+                </a:solidFill>
+              </a:rPr>
+              <a:t>L</a:t>
+            </a:r>
+            <a:r>
+              <a:rPr lang="en-US" sz="4100" dirty="0">
+                <a:solidFill>
+                  <a:schemeClr val="bg1"/>
+                </a:solidFill>
+              </a:rPr>
+              <a:t>ab: </a:t>
+            </a:r>
+            <a:r>
+              <a:rPr lang="en-US" sz="3600" dirty="0">
+                <a:solidFill>
+                  <a:schemeClr val="bg1"/>
+                </a:solidFill>
+              </a:rPr>
+              <a:t>Exhibited at </a:t>
+            </a:r>
+            <a:r>
+              <a:rPr lang="en-US" sz="3600" dirty="0">
+                <a:solidFill>
+                  <a:schemeClr val="accent6">
+                    <a:lumMod val="75000"/>
+                  </a:schemeClr>
+                </a:solidFill>
+              </a:rPr>
+              <a:t>COP26</a:t>
+            </a:r>
+          </a:p>
+        </p:txBody>
+      </p:sp>
+      <p:pic>
+        <p:nvPicPr>
+          <p:cNvPr id="13" name="Picture 12" descr="A picture containing logo&#10;&#10;Description automatically generated">
+            <a:extLst>
+              <a:ext uri="{FF2B5EF4-FFF2-40B4-BE49-F238E27FC236}">
+                <a16:creationId xmlns:a16="http://schemas.microsoft.com/office/drawing/2014/main" id="{0E78111E-4B8A-C840-2D78-2FB4B05058C2}"/>
+              </a:ext>
+            </a:extLst>
+          </p:cNvPr>
+          <p:cNvPicPr>
+            <a:picLocks noChangeAspect="1"/>
+          </p:cNvPicPr>
+          <p:nvPr/>
+        </p:nvPicPr>
+        <p:blipFill rotWithShape="1">
+          <a:blip r:embed="rId2"/>
+          <a:srcRect l="10191"/>
+          <a:stretch/>
+        </p:blipFill>
+        <p:spPr>
+          <a:xfrm>
+            <a:off x="4353233" y="3345846"/>
+            <a:ext cx="4604836" cy="2884134"/>
+          </a:xfrm>
+          <a:prstGeom prst="rect">
+            <a:avLst/>
+          </a:prstGeom>
+        </p:spPr>
+      </p:pic>
+      <p:pic>
+        <p:nvPicPr>
+          <p:cNvPr id="7" name="Picture 6" descr="A bunch of strawberries on a tree&#10;&#10;Description automatically generated with low confidence">
+            <a:extLst>
+              <a:ext uri="{FF2B5EF4-FFF2-40B4-BE49-F238E27FC236}">
+                <a16:creationId xmlns:a16="http://schemas.microsoft.com/office/drawing/2014/main" id="{AD36EDFA-E0D1-AFEE-C946-F188A4AB7C06}"/>
+              </a:ext>
+            </a:extLst>
+          </p:cNvPr>
+          <p:cNvPicPr>
+            <a:picLocks noChangeAspect="1"/>
+          </p:cNvPicPr>
+          <p:nvPr/>
+        </p:nvPicPr>
+        <p:blipFill>
+          <a:blip r:embed="rId3"/>
+          <a:stretch>
+            <a:fillRect/>
+          </a:stretch>
+        </p:blipFill>
+        <p:spPr>
+          <a:xfrm>
+            <a:off x="27032" y="3345847"/>
+            <a:ext cx="4326201" cy="2884134"/>
+          </a:xfrm>
+          <a:prstGeom prst="rect">
+            <a:avLst/>
+          </a:prstGeom>
+        </p:spPr>
+      </p:pic>
+      <p:pic>
+        <p:nvPicPr>
+          <p:cNvPr id="9" name="Picture 8" descr="A picture containing automaton&#10;&#10;Description automatically generated">
+            <a:extLst>
+              <a:ext uri="{FF2B5EF4-FFF2-40B4-BE49-F238E27FC236}">
+                <a16:creationId xmlns:a16="http://schemas.microsoft.com/office/drawing/2014/main" id="{8C77C64D-AA20-E8E9-D56D-315C6E6EB740}"/>
+              </a:ext>
+            </a:extLst>
+          </p:cNvPr>
+          <p:cNvPicPr>
+            <a:picLocks noChangeAspect="1"/>
+          </p:cNvPicPr>
+          <p:nvPr/>
+        </p:nvPicPr>
+        <p:blipFill rotWithShape="1">
+          <a:blip r:embed="rId4"/>
+          <a:srcRect l="9412" r="8246"/>
+          <a:stretch/>
+        </p:blipFill>
+        <p:spPr>
+          <a:xfrm>
+            <a:off x="8706466" y="3345846"/>
+            <a:ext cx="4221957" cy="2884134"/>
+          </a:xfrm>
+          <a:prstGeom prst="rect">
+            <a:avLst/>
+          </a:prstGeom>
+        </p:spPr>
+      </p:pic>
+    </p:spTree>
+    <p:extLst>
+      <p:ext uri="{BB962C8B-B14F-4D97-AF65-F5344CB8AC3E}">
+        <p14:creationId xmlns:p14="http://schemas.microsoft.com/office/powerpoint/2010/main" val="378398790"/>
+      </p:ext>
+    </p:extLst>
+  </p:cSld>
+  <p:clrMapOvr>
+    <a:masterClrMapping/>
+  </p:clrMapOvr>
+</p:sld>
+</file>
+
+<file path=ppt/slides/slide2.xml><?xml version="1.0" encoding="utf-8"?>
+<p:sld xmlns:a="http://schemas.openxmlformats.org/drawingml/2006/main" xmlns:r="http://schemas.openxmlformats.org/officeDocument/2006/relationships" xmlns:p="http://schemas.openxmlformats.org/presentationml/2006/main">
+  <p:cSld>
+    <p:spTree>
+      <p:nvGrpSpPr>
         <p:cNvPr id="1" name=""/>
         <p:cNvGrpSpPr/>
         <p:nvPr/>
@@ -3621,281 +3894,6 @@
     <p:extLst>
       <p:ext uri="{BB962C8B-B14F-4D97-AF65-F5344CB8AC3E}">
         <p14:creationId xmlns:p14="http://schemas.microsoft.com/office/powerpoint/2010/main" val="3729336689"/>
-      </p:ext>
-    </p:extLst>
-  </p:cSld>
-  <p:clrMapOvr>
-    <a:masterClrMapping/>
-  </p:clrMapOvr>
-</p:sld>
-</file>
-
-<file path=ppt/slides/slide2.xml><?xml version="1.0" encoding="utf-8"?>
-<p:sld xmlns:a="http://schemas.openxmlformats.org/drawingml/2006/main" xmlns:r="http://schemas.openxmlformats.org/officeDocument/2006/relationships" xmlns:p="http://schemas.openxmlformats.org/presentationml/2006/main">
-  <p:cSld>
-    <p:spTree>
-      <p:nvGrpSpPr>
-        <p:cNvPr id="1" name="">
-          <a:extLst>
-            <a:ext uri="{FF2B5EF4-FFF2-40B4-BE49-F238E27FC236}">
-              <a16:creationId xmlns:a16="http://schemas.microsoft.com/office/drawing/2014/main" id="{0E60CED3-B128-6E97-ECA5-92843F34ACA5}"/>
-            </a:ext>
-          </a:extLst>
-        </p:cNvPr>
-        <p:cNvGrpSpPr/>
-        <p:nvPr/>
-      </p:nvGrpSpPr>
-      <p:grpSpPr>
-        <a:xfrm>
-          <a:off x="0" y="0"/>
-          <a:ext cx="0" cy="0"/>
-          <a:chOff x="0" y="0"/>
-          <a:chExt cx="0" cy="0"/>
-        </a:xfrm>
-      </p:grpSpPr>
-      <p:sp>
-        <p:nvSpPr>
-          <p:cNvPr id="10" name="Rectangle 9">
-            <a:extLst>
-              <a:ext uri="{FF2B5EF4-FFF2-40B4-BE49-F238E27FC236}">
-                <a16:creationId xmlns:a16="http://schemas.microsoft.com/office/drawing/2014/main" id="{B7131815-8866-B15E-1187-71CF3E8D2214}"/>
-              </a:ext>
-            </a:extLst>
-          </p:cNvPr>
-          <p:cNvSpPr/>
-          <p:nvPr/>
-        </p:nvSpPr>
-        <p:spPr>
-          <a:xfrm>
-            <a:off x="0" y="1"/>
-            <a:ext cx="12191999" cy="6858000"/>
-          </a:xfrm>
-          <a:prstGeom prst="rect">
-            <a:avLst/>
-          </a:prstGeom>
-        </p:spPr>
-        <p:style>
-          <a:lnRef idx="3">
-            <a:schemeClr val="lt1"/>
-          </a:lnRef>
-          <a:fillRef idx="1">
-            <a:schemeClr val="dk1"/>
-          </a:fillRef>
-          <a:effectRef idx="1">
-            <a:schemeClr val="dk1"/>
-          </a:effectRef>
-          <a:fontRef idx="minor">
-            <a:schemeClr val="lt1"/>
-          </a:fontRef>
-        </p:style>
-        <p:txBody>
-          <a:bodyPr rtlCol="0" anchor="ctr"/>
-          <a:lstStyle/>
-          <a:p>
-            <a:pPr algn="ctr"/>
-            <a:endParaRPr lang="en-US" dirty="0"/>
-          </a:p>
-        </p:txBody>
-      </p:sp>
-      <p:pic>
-        <p:nvPicPr>
-          <p:cNvPr id="9" name="Picture 8" descr="A picture containing automaton&#10;&#10;Description automatically generated">
-            <a:extLst>
-              <a:ext uri="{FF2B5EF4-FFF2-40B4-BE49-F238E27FC236}">
-                <a16:creationId xmlns:a16="http://schemas.microsoft.com/office/drawing/2014/main" id="{8C77C64D-AA20-E8E9-D56D-315C6E6EB740}"/>
-              </a:ext>
-            </a:extLst>
-          </p:cNvPr>
-          <p:cNvPicPr>
-            <a:picLocks noChangeAspect="1"/>
-          </p:cNvPicPr>
-          <p:nvPr/>
-        </p:nvPicPr>
-        <p:blipFill rotWithShape="1">
-          <a:blip r:embed="rId2"/>
-          <a:srcRect l="9412" r="8246"/>
-          <a:stretch/>
-        </p:blipFill>
-        <p:spPr>
-          <a:xfrm>
-            <a:off x="7967298" y="2775692"/>
-            <a:ext cx="4221957" cy="2884134"/>
-          </a:xfrm>
-          <a:prstGeom prst="rect">
-            <a:avLst/>
-          </a:prstGeom>
-        </p:spPr>
-      </p:pic>
-      <p:sp>
-        <p:nvSpPr>
-          <p:cNvPr id="11" name="TextBox 10">
-            <a:extLst>
-              <a:ext uri="{FF2B5EF4-FFF2-40B4-BE49-F238E27FC236}">
-                <a16:creationId xmlns:a16="http://schemas.microsoft.com/office/drawing/2014/main" id="{F6D1F405-FD65-F69B-03C7-CB27FE12849D}"/>
-              </a:ext>
-            </a:extLst>
-          </p:cNvPr>
-          <p:cNvSpPr txBox="1"/>
-          <p:nvPr/>
-        </p:nvSpPr>
-        <p:spPr>
-          <a:xfrm>
-            <a:off x="2745" y="5580727"/>
-            <a:ext cx="6182526" cy="1277273"/>
-          </a:xfrm>
-          <a:prstGeom prst="rect">
-            <a:avLst/>
-          </a:prstGeom>
-          <a:noFill/>
-        </p:spPr>
-        <p:txBody>
-          <a:bodyPr wrap="none" rtlCol="0">
-            <a:spAutoFit/>
-          </a:bodyPr>
-          <a:lstStyle/>
-          <a:p>
-            <a:r>
-              <a:rPr lang="en-US" sz="4100" dirty="0">
-                <a:solidFill>
-                  <a:schemeClr val="accent6">
-                    <a:lumMod val="75000"/>
-                  </a:schemeClr>
-                </a:solidFill>
-              </a:rPr>
-              <a:t>I</a:t>
-            </a:r>
-            <a:r>
-              <a:rPr lang="en-US" sz="4100" dirty="0">
-                <a:solidFill>
-                  <a:schemeClr val="bg1"/>
-                </a:solidFill>
-              </a:rPr>
-              <a:t>ntelligent </a:t>
-            </a:r>
-            <a:r>
-              <a:rPr lang="en-US" sz="4100" dirty="0">
-                <a:solidFill>
-                  <a:schemeClr val="accent6">
-                    <a:lumMod val="60000"/>
-                    <a:lumOff val="40000"/>
-                  </a:schemeClr>
-                </a:solidFill>
-              </a:rPr>
-              <a:t>M</a:t>
-            </a:r>
-            <a:r>
-              <a:rPr lang="en-US" sz="4100" dirty="0">
-                <a:solidFill>
-                  <a:schemeClr val="bg1"/>
-                </a:solidFill>
-              </a:rPr>
-              <a:t>anipulation </a:t>
-            </a:r>
-            <a:r>
-              <a:rPr lang="en-US" sz="4100" dirty="0">
-                <a:solidFill>
-                  <a:schemeClr val="accent6">
-                    <a:lumMod val="40000"/>
-                    <a:lumOff val="60000"/>
-                  </a:schemeClr>
-                </a:solidFill>
-              </a:rPr>
-              <a:t>L</a:t>
-            </a:r>
-            <a:r>
-              <a:rPr lang="en-US" sz="4100" dirty="0">
-                <a:solidFill>
-                  <a:schemeClr val="bg1"/>
-                </a:solidFill>
-              </a:rPr>
-              <a:t>ab</a:t>
-            </a:r>
-          </a:p>
-          <a:p>
-            <a:r>
-              <a:rPr lang="en-US" sz="3600" dirty="0">
-                <a:solidFill>
-                  <a:schemeClr val="bg1"/>
-                </a:solidFill>
-              </a:rPr>
-              <a:t>Exhibited at </a:t>
-            </a:r>
-            <a:r>
-              <a:rPr lang="en-US" sz="3600" dirty="0">
-                <a:solidFill>
-                  <a:schemeClr val="accent6">
-                    <a:lumMod val="75000"/>
-                  </a:schemeClr>
-                </a:solidFill>
-              </a:rPr>
-              <a:t>COP26</a:t>
-            </a:r>
-          </a:p>
-        </p:txBody>
-      </p:sp>
-      <p:pic>
-        <p:nvPicPr>
-          <p:cNvPr id="13" name="Picture 12" descr="A picture containing logo&#10;&#10;Description automatically generated">
-            <a:extLst>
-              <a:ext uri="{FF2B5EF4-FFF2-40B4-BE49-F238E27FC236}">
-                <a16:creationId xmlns:a16="http://schemas.microsoft.com/office/drawing/2014/main" id="{0E78111E-4B8A-C840-2D78-2FB4B05058C2}"/>
-              </a:ext>
-            </a:extLst>
-          </p:cNvPr>
-          <p:cNvPicPr>
-            <a:picLocks noChangeAspect="1"/>
-          </p:cNvPicPr>
-          <p:nvPr/>
-        </p:nvPicPr>
-        <p:blipFill rotWithShape="1">
-          <a:blip r:embed="rId3"/>
-          <a:srcRect l="10191"/>
-          <a:stretch/>
-        </p:blipFill>
-        <p:spPr>
-          <a:xfrm>
-            <a:off x="0" y="2775692"/>
-            <a:ext cx="4604836" cy="2884134"/>
-          </a:xfrm>
-          <a:prstGeom prst="rect">
-            <a:avLst/>
-          </a:prstGeom>
-        </p:spPr>
-      </p:pic>
-      <p:pic>
-        <p:nvPicPr>
-          <p:cNvPr id="7" name="Picture 6" descr="A bunch of strawberries on a tree&#10;&#10;Description automatically generated with low confidence">
-            <a:extLst>
-              <a:ext uri="{FF2B5EF4-FFF2-40B4-BE49-F238E27FC236}">
-                <a16:creationId xmlns:a16="http://schemas.microsoft.com/office/drawing/2014/main" id="{AD36EDFA-E0D1-AFEE-C946-F188A4AB7C06}"/>
-              </a:ext>
-            </a:extLst>
-          </p:cNvPr>
-          <p:cNvPicPr>
-            <a:picLocks noChangeAspect="1"/>
-          </p:cNvPicPr>
-          <p:nvPr/>
-        </p:nvPicPr>
-        <p:blipFill>
-          <a:blip r:embed="rId4"/>
-          <a:stretch>
-            <a:fillRect/>
-          </a:stretch>
-        </p:blipFill>
-        <p:spPr>
-          <a:xfrm>
-            <a:off x="3638353" y="2775692"/>
-            <a:ext cx="4326201" cy="2884134"/>
-          </a:xfrm>
-          <a:prstGeom prst="rect">
-            <a:avLst/>
-          </a:prstGeom>
-        </p:spPr>
-      </p:pic>
-    </p:spTree>
-    <p:extLst>
-      <p:ext uri="{BB962C8B-B14F-4D97-AF65-F5344CB8AC3E}">
-        <p14:creationId xmlns:p14="http://schemas.microsoft.com/office/powerpoint/2010/main" val="378398790"/>
       </p:ext>
     </p:extLst>
   </p:cSld>
